--- a/BCI - Day15 - Webpack http server and production.pptx
+++ b/BCI - Day15 - Webpack http server and production.pptx
@@ -8926,7 +8926,7 @@
                 <a:latin typeface="Calibri" panose="020F0502020204030204" pitchFamily="34" charset="0"/>
                 <a:cs typeface="Calibri" panose="020F0502020204030204" pitchFamily="34" charset="0"/>
               </a:rPr>
-              <a:t>Nignix</a:t>
+              <a:t>Nginx</a:t>
             </a:r>
             <a:endParaRPr lang="en-US" altLang="en-GB" sz="3200" b="1" dirty="0">
               <a:latin typeface="Calibri" panose="020F0502020204030204" pitchFamily="34" charset="0"/>
@@ -8970,7 +8970,19 @@
             </a:pPr>
             <a:r>
               <a:rPr lang="en-US" dirty="0"/>
-              <a:t>What is Nignix?</a:t>
+              <a:t>What is </a:t>
+            </a:r>
+            <a:r>
+              <a:rPr lang="en-US" altLang="en-GB" b="1" dirty="0">
+                <a:latin typeface="Calibri" panose="020F0502020204030204" pitchFamily="34" charset="0"/>
+                <a:cs typeface="Calibri" panose="020F0502020204030204" pitchFamily="34" charset="0"/>
+                <a:sym typeface="+mn-ea"/>
+              </a:rPr>
+              <a:t>Nginx</a:t>
+            </a:r>
+            <a:r>
+              <a:rPr lang="en-US" dirty="0"/>
+              <a:t>?</a:t>
             </a:r>
             <a:endParaRPr lang="en-US" dirty="0"/>
           </a:p>
@@ -9220,8 +9232,9 @@
               <a:rPr lang="en-US" altLang="en-GB" sz="3200" b="1" dirty="0">
                 <a:latin typeface="Calibri" panose="020F0502020204030204" pitchFamily="34" charset="0"/>
                 <a:cs typeface="Calibri" panose="020F0502020204030204" pitchFamily="34" charset="0"/>
+                <a:sym typeface="+mn-ea"/>
               </a:rPr>
-              <a:t>Nignix</a:t>
+              <a:t>Nginx</a:t>
             </a:r>
             <a:endParaRPr lang="en-US" altLang="en-GB" sz="3200" b="1" dirty="0">
               <a:latin typeface="Calibri" panose="020F0502020204030204" pitchFamily="34" charset="0"/>
@@ -9265,7 +9278,19 @@
             </a:pPr>
             <a:r>
               <a:rPr lang="en-US" dirty="0"/>
-              <a:t>What is Nignix?</a:t>
+              <a:t>What is </a:t>
+            </a:r>
+            <a:r>
+              <a:rPr lang="en-US" altLang="en-GB" b="1" dirty="0">
+                <a:latin typeface="Calibri" panose="020F0502020204030204" pitchFamily="34" charset="0"/>
+                <a:cs typeface="Calibri" panose="020F0502020204030204" pitchFamily="34" charset="0"/>
+                <a:sym typeface="+mn-ea"/>
+              </a:rPr>
+              <a:t>Nginx</a:t>
+            </a:r>
+            <a:r>
+              <a:rPr lang="en-US" dirty="0"/>
+              <a:t>?</a:t>
             </a:r>
             <a:endParaRPr lang="en-US" dirty="0"/>
           </a:p>
@@ -9479,8 +9504,9 @@
               <a:rPr lang="en-US" altLang="en-GB" sz="3200" b="1" dirty="0">
                 <a:latin typeface="Calibri" panose="020F0502020204030204" pitchFamily="34" charset="0"/>
                 <a:cs typeface="Calibri" panose="020F0502020204030204" pitchFamily="34" charset="0"/>
+                <a:sym typeface="+mn-ea"/>
               </a:rPr>
-              <a:t>Nignix</a:t>
+              <a:t>Nginx</a:t>
             </a:r>
             <a:endParaRPr lang="en-US" altLang="en-GB" sz="3200" b="1" dirty="0">
               <a:latin typeface="Calibri" panose="020F0502020204030204" pitchFamily="34" charset="0"/>
@@ -9524,7 +9550,19 @@
             </a:pPr>
             <a:r>
               <a:rPr lang="en-US" dirty="0"/>
-              <a:t>What is Nignix?</a:t>
+              <a:t>What is </a:t>
+            </a:r>
+            <a:r>
+              <a:rPr lang="en-US" altLang="en-GB" b="1" dirty="0">
+                <a:latin typeface="Calibri" panose="020F0502020204030204" pitchFamily="34" charset="0"/>
+                <a:cs typeface="Calibri" panose="020F0502020204030204" pitchFamily="34" charset="0"/>
+                <a:sym typeface="+mn-ea"/>
+              </a:rPr>
+              <a:t>Nginx</a:t>
+            </a:r>
+            <a:r>
+              <a:rPr lang="en-US" dirty="0"/>
+              <a:t>?</a:t>
             </a:r>
             <a:endParaRPr lang="en-US" dirty="0"/>
           </a:p>
@@ -9738,8 +9776,9 @@
               <a:rPr lang="en-US" altLang="en-GB" sz="3200" b="1" dirty="0">
                 <a:latin typeface="Calibri" panose="020F0502020204030204" pitchFamily="34" charset="0"/>
                 <a:cs typeface="Calibri" panose="020F0502020204030204" pitchFamily="34" charset="0"/>
+                <a:sym typeface="+mn-ea"/>
               </a:rPr>
-              <a:t>Nignix</a:t>
+              <a:t>Nginx</a:t>
             </a:r>
             <a:endParaRPr lang="en-US" altLang="en-GB" sz="3200" b="1" dirty="0">
               <a:latin typeface="Calibri" panose="020F0502020204030204" pitchFamily="34" charset="0"/>
@@ -10000,8 +10039,9 @@
               <a:rPr lang="en-US" altLang="en-GB" sz="3200" b="1" dirty="0">
                 <a:latin typeface="Calibri" panose="020F0502020204030204" pitchFamily="34" charset="0"/>
                 <a:cs typeface="Calibri" panose="020F0502020204030204" pitchFamily="34" charset="0"/>
+                <a:sym typeface="+mn-ea"/>
               </a:rPr>
-              <a:t>Nignix</a:t>
+              <a:t>Nginx</a:t>
             </a:r>
             <a:endParaRPr lang="en-US" altLang="en-GB" sz="3200" b="1" dirty="0">
               <a:latin typeface="Calibri" panose="020F0502020204030204" pitchFamily="34" charset="0"/>
@@ -10283,7 +10323,7 @@
             </a:pPr>
             <a:r>
               <a:rPr lang="en-US" dirty="0"/>
-              <a:t>Dive into Proxy</a:t>
+              <a:t>React Node Web3 Integration</a:t>
             </a:r>
             <a:endParaRPr lang="en-US" dirty="0"/>
           </a:p>
@@ -10300,7 +10340,7 @@
             </a:pPr>
             <a:r>
               <a:rPr lang="en-US" dirty="0"/>
-              <a:t>Web3 Intro</a:t>
+              <a:t>Webpack</a:t>
             </a:r>
             <a:endParaRPr lang="en-US" dirty="0"/>
           </a:p>
@@ -10317,7 +10357,7 @@
             </a:pPr>
             <a:r>
               <a:rPr lang="en-US" dirty="0"/>
-              <a:t>Web3 React Interaction</a:t>
+              <a:t>Webserver</a:t>
             </a:r>
             <a:endParaRPr lang="en-US" dirty="0"/>
           </a:p>

--- a/BCI - Day15 - Webpack http server and production.pptx
+++ b/BCI - Day15 - Webpack http server and production.pptx
@@ -10769,7 +10769,7 @@
                   <a:srgbClr val="262626"/>
                 </a:solidFill>
               </a:rPr>
-              <a:t>3. config webserver</a:t>
+              <a:t>3. config webserver  /var/www/html</a:t>
             </a:r>
             <a:endParaRPr lang="en-US" altLang="en-US" sz="1540" dirty="0">
               <a:solidFill>
